--- a/Presentation/Intel Contest_template.pptx
+++ b/Presentation/Intel Contest_template.pptx
@@ -114,6 +114,11 @@
       </a:defRPr>
     </a:lvl9pPr>
   </p:defaultTextStyle>
+  <p:extLst>
+    <p:ext uri="{EFAFB233-063F-42B5-8137-9DF3F51BA10A}">
+      <p15:sldGuideLst xmlns:p15="http://schemas.microsoft.com/office/powerpoint/2012/main"/>
+    </p:ext>
+  </p:extLst>
 </p:presentation>
 </file>
 
@@ -3984,7 +3989,7 @@
                 </a:uFill>
                 <a:latin typeface="Trebuchet MS"/>
               </a:rPr>
-              <a:t>Project Review-2</a:t>
+              <a:t>Project Review-4</a:t>
             </a:r>
             <a:endParaRPr lang="en-IN" sz="1800" b="0" strike="noStrike" spc="-1" dirty="0">
               <a:solidFill>
@@ -4052,7 +4057,7 @@
                 </a:uFill>
                 <a:latin typeface="Trebuchet MS"/>
               </a:rPr>
-              <a:t>Project Title	:    </a:t>
+              <a:t>Project Title	:    	</a:t>
             </a:r>
             <a:r>
               <a:rPr lang="en-US" sz="2000" b="0" strike="noStrike" spc="-1" dirty="0">
@@ -4087,7 +4092,7 @@
                 </a:uFill>
                 <a:latin typeface="Trebuchet MS"/>
               </a:rPr>
-              <a:t>		     </a:t>
+              <a:t>		     	</a:t>
             </a:r>
             <a:r>
               <a:rPr lang="en-US" sz="2000" b="0" strike="noStrike" spc="-1" dirty="0">
@@ -4581,7 +4586,7 @@
         <p:spPr>
           <a:xfrm>
             <a:off x="372862" y="1940400"/>
-            <a:ext cx="7901126" cy="3139321"/>
+            <a:ext cx="7901126" cy="3416320"/>
           </a:xfrm>
           <a:prstGeom prst="rect">
             <a:avLst/>
@@ -4623,7 +4628,7 @@
           <a:p>
             <a:r>
               <a:rPr lang="en-US" dirty="0"/>
-              <a:t>conversational speech, such as a movie title or any specific scene</a:t>
+              <a:t>conversational speech (including support for different languages and accents), such as a movie title or any specific scene</a:t>
             </a:r>
           </a:p>
           <a:p>
@@ -4997,7 +5002,7 @@
         <p:spPr>
           <a:xfrm>
             <a:off x="372862" y="1940400"/>
-            <a:ext cx="7901126" cy="3139321"/>
+            <a:ext cx="7901126" cy="369332"/>
           </a:xfrm>
           <a:prstGeom prst="rect">
             <a:avLst/>
@@ -5014,51 +5019,80 @@
               <a:buFont typeface="Arial" panose="020B0604020202020204" pitchFamily="34" charset="0"/>
               <a:buChar char="•"/>
             </a:pPr>
-            <a:r>
-              <a:rPr lang="en-IN" dirty="0"/>
-              <a:t>We will try to further increase the accuracy and retrieval speed of our application by attempting to transcribe videos and store their transcript and perform matches using this too.</a:t>
-            </a:r>
-          </a:p>
+            <a:endParaRPr lang="en-IN" dirty="0"/>
+          </a:p>
+        </p:txBody>
+      </p:sp>
+      <p:sp>
+        <p:nvSpPr>
+          <p:cNvPr id="6" name="TextBox 5">
+            <a:extLst>
+              <a:ext uri="{FF2B5EF4-FFF2-40B4-BE49-F238E27FC236}">
+                <a16:creationId xmlns:a16="http://schemas.microsoft.com/office/drawing/2014/main" id="{49DBD6AE-E822-4D4C-8740-078C385E41AD}"/>
+              </a:ext>
+            </a:extLst>
+          </p:cNvPr>
+          <p:cNvSpPr txBox="1"/>
+          <p:nvPr/>
+        </p:nvSpPr>
+        <p:spPr>
+          <a:xfrm>
+            <a:off x="372862" y="1753967"/>
+            <a:ext cx="7901126" cy="2031325"/>
+          </a:xfrm>
+          <a:prstGeom prst="rect">
+            <a:avLst/>
+          </a:prstGeom>
+          <a:noFill/>
+        </p:spPr>
+        <p:txBody>
+          <a:bodyPr wrap="square" rtlCol="0">
+            <a:spAutoFit/>
+          </a:bodyPr>
+          <a:lstStyle/>
           <a:p>
             <a:pPr marL="285750" indent="-285750">
               <a:buFont typeface="Arial" panose="020B0604020202020204" pitchFamily="34" charset="0"/>
               <a:buChar char="•"/>
             </a:pPr>
-            <a:endParaRPr lang="en-IN" dirty="0"/>
+            <a:r>
+              <a:rPr lang="en-IN" dirty="0"/>
+              <a:t>We are in the process of creating a polished UI for the application</a:t>
+            </a:r>
           </a:p>
           <a:p>
             <a:pPr marL="285750" indent="-285750">
               <a:buFont typeface="Arial" panose="020B0604020202020204" pitchFamily="34" charset="0"/>
               <a:buChar char="•"/>
             </a:pPr>
-            <a:r>
-              <a:rPr lang="en-IN" dirty="0"/>
-              <a:t>This will help us in obtaining more matches present in the natural language query</a:t>
-            </a:r>
+            <a:endParaRPr lang="en-IN" dirty="0"/>
           </a:p>
           <a:p>
             <a:pPr marL="285750" indent="-285750">
               <a:buFont typeface="Arial" panose="020B0604020202020204" pitchFamily="34" charset="0"/>
               <a:buChar char="•"/>
             </a:pPr>
-            <a:endParaRPr lang="en-IN" dirty="0"/>
+            <a:r>
+              <a:rPr lang="en-IN" dirty="0"/>
+              <a:t>We are also trying to improve the accuracies of the tags generated for every video by trying various deep learning models.</a:t>
+            </a:r>
           </a:p>
           <a:p>
             <a:pPr marL="285750" indent="-285750">
               <a:buFont typeface="Arial" panose="020B0604020202020204" pitchFamily="34" charset="0"/>
               <a:buChar char="•"/>
             </a:pPr>
-            <a:r>
-              <a:rPr lang="en-IN" dirty="0"/>
-              <a:t>We will also be tagging the video datasets based on objects present in the video and even try to expand upon the database by performing similar matches online like Google</a:t>
-            </a:r>
+            <a:endParaRPr lang="en-IN" dirty="0"/>
           </a:p>
           <a:p>
             <a:pPr marL="285750" indent="-285750">
               <a:buFont typeface="Arial" panose="020B0604020202020204" pitchFamily="34" charset="0"/>
               <a:buChar char="•"/>
             </a:pPr>
-            <a:endParaRPr lang="en-IN" dirty="0"/>
+            <a:r>
+              <a:rPr lang="en-IN" dirty="0"/>
+              <a:t>We are simultaneously trying to improve the similarity metric and filtering of keywords to provide more relevant matches</a:t>
+            </a:r>
           </a:p>
         </p:txBody>
       </p:sp>
@@ -5238,8 +5272,8 @@
         </p:nvSpPr>
         <p:spPr>
           <a:xfrm>
-            <a:off x="372862" y="1940400"/>
-            <a:ext cx="7901126" cy="3693319"/>
+            <a:off x="372862" y="1753967"/>
+            <a:ext cx="7901126" cy="4801314"/>
           </a:xfrm>
           <a:prstGeom prst="rect">
             <a:avLst/>
@@ -5258,7 +5292,7 @@
             </a:pPr>
             <a:r>
               <a:rPr lang="en-IN" dirty="0"/>
-              <a:t>We have used various algorithms to extract meanings and keywords from the speech input</a:t>
+              <a:t>We have extracted the natural language query (and translated other languages into English) and then proceeded to use various API’s and algorithms to extract keywords.</a:t>
             </a:r>
           </a:p>
           <a:p>
@@ -5275,41 +5309,38 @@
             </a:pPr>
             <a:r>
               <a:rPr lang="en-IN" dirty="0"/>
-              <a:t>We have used speech recognition to not only translate it into text, but also convert other natural languages into English and then convert it into  a processable form</a:t>
-            </a:r>
+              <a:t>We then tagged the entire database of videos by splitting each video into frames and grouped them by scene. We then performed object detection and description generation to describe each scene to give us the context of the video and even used a semi-supervised approach to perform a reverse image lookup on Google to find similar matching videos for more context and relevant searches. </a:t>
+            </a:r>
+            <a:br>
+              <a:rPr lang="en-IN" dirty="0"/>
+            </a:br>
+            <a:endParaRPr lang="en-IN" dirty="0"/>
           </a:p>
           <a:p>
             <a:pPr marL="285750" indent="-285750">
               <a:buFont typeface="Arial" panose="020B0604020202020204" pitchFamily="34" charset="0"/>
               <a:buChar char="•"/>
             </a:pPr>
-            <a:endParaRPr lang="en-IN" dirty="0"/>
+            <a:r>
+              <a:rPr lang="en-IN" dirty="0"/>
+              <a:t>We then obtained the keywords from the context by choosing the most frequently occurring keywords describing the frames. </a:t>
+            </a:r>
           </a:p>
           <a:p>
             <a:pPr marL="285750" indent="-285750">
               <a:buFont typeface="Arial" panose="020B0604020202020204" pitchFamily="34" charset="0"/>
               <a:buChar char="•"/>
             </a:pPr>
-            <a:r>
-              <a:rPr lang="en-IN" dirty="0"/>
-              <a:t>We have also used various API’s such as IBM Watson to obtain more keywords and relevant features from our speech input to further increase the accuracy of our searches</a:t>
-            </a:r>
+            <a:endParaRPr lang="en-IN" dirty="0"/>
           </a:p>
           <a:p>
             <a:pPr marL="285750" indent="-285750">
               <a:buFont typeface="Arial" panose="020B0604020202020204" pitchFamily="34" charset="0"/>
               <a:buChar char="•"/>
             </a:pPr>
-            <a:endParaRPr lang="en-IN" dirty="0"/>
-          </a:p>
-          <a:p>
-            <a:pPr marL="285750" indent="-285750">
-              <a:buFont typeface="Arial" panose="020B0604020202020204" pitchFamily="34" charset="0"/>
-              <a:buChar char="•"/>
-            </a:pPr>
             <a:r>
               <a:rPr lang="en-IN" dirty="0"/>
-              <a:t>We are currently in the process of transcribing large videos and are building a model for object detection in video frames</a:t>
+              <a:t>The query was matched with the video by converting each into a vector space and found the similarities between the two feature spaces. This entire process was added into a pipeline to run as an executable.</a:t>
             </a:r>
           </a:p>
         </p:txBody>
@@ -5523,7 +5554,7 @@
         <p:spPr>
           <a:xfrm>
             <a:off x="372862" y="1940400"/>
-            <a:ext cx="7901126" cy="1477328"/>
+            <a:ext cx="7901126" cy="2585323"/>
           </a:xfrm>
           <a:prstGeom prst="rect">
             <a:avLst/>
@@ -5542,7 +5573,7 @@
             </a:pPr>
             <a:r>
               <a:rPr lang="en-IN" dirty="0"/>
-              <a:t>We are still trying to perfect speech recognition for various accents since it throws it off sometimes</a:t>
+              <a:t>Time is a constraint – a large portion of the video tagging unit takes a lot of time to generate tags since it uses various approaches and then picks the best one.</a:t>
             </a:r>
           </a:p>
           <a:p>
@@ -5559,7 +5590,7 @@
             </a:pPr>
             <a:r>
               <a:rPr lang="en-IN" dirty="0"/>
-              <a:t>We are trying to transcribe large videos in minimal time</a:t>
+              <a:t>Speech recognition – It is not that accurate when it comes to other languages apart from English, leading to mismatched outputs.</a:t>
             </a:r>
           </a:p>
           <a:p>
@@ -5568,6 +5599,16 @@
               <a:buChar char="•"/>
             </a:pPr>
             <a:endParaRPr lang="en-IN" dirty="0"/>
+          </a:p>
+          <a:p>
+            <a:pPr marL="285750" indent="-285750">
+              <a:buFont typeface="Arial" panose="020B0604020202020204" pitchFamily="34" charset="0"/>
+              <a:buChar char="•"/>
+            </a:pPr>
+            <a:r>
+              <a:rPr lang="en-IN" dirty="0"/>
+              <a:t>Filtering of keywords – The semi-supervised approach tends to result in a few irrelevant keywords even after taking frequency into consideration. </a:t>
+            </a:r>
           </a:p>
         </p:txBody>
       </p:sp>
@@ -5879,8 +5920,8 @@
         </p:nvSpPr>
         <p:spPr>
           <a:xfrm>
-            <a:off x="372862" y="1940400"/>
-            <a:ext cx="7901126" cy="923330"/>
+            <a:off x="392837" y="1908360"/>
+            <a:ext cx="7901126" cy="2031325"/>
           </a:xfrm>
           <a:prstGeom prst="rect">
             <a:avLst/>
@@ -5899,7 +5940,41 @@
             </a:pPr>
             <a:r>
               <a:rPr lang="en-IN" dirty="0"/>
-              <a:t>We hope to be able to finish off the project by perfecting the object detection model</a:t>
+              <a:t>We hope to be able to perfect the speech recognition and tag generation.</a:t>
+            </a:r>
+          </a:p>
+          <a:p>
+            <a:pPr marL="285750" indent="-285750">
+              <a:buFont typeface="Arial" panose="020B0604020202020204" pitchFamily="34" charset="0"/>
+              <a:buChar char="•"/>
+            </a:pPr>
+            <a:endParaRPr lang="en-IN" dirty="0"/>
+          </a:p>
+          <a:p>
+            <a:pPr marL="285750" indent="-285750">
+              <a:buFont typeface="Arial" panose="020B0604020202020204" pitchFamily="34" charset="0"/>
+              <a:buChar char="•"/>
+            </a:pPr>
+            <a:r>
+              <a:rPr lang="en-IN" dirty="0"/>
+              <a:t>We will also try to reduce the time taken to run the application. </a:t>
+            </a:r>
+          </a:p>
+          <a:p>
+            <a:pPr marL="285750" indent="-285750">
+              <a:buFont typeface="Arial" panose="020B0604020202020204" pitchFamily="34" charset="0"/>
+              <a:buChar char="•"/>
+            </a:pPr>
+            <a:endParaRPr lang="en-IN" dirty="0"/>
+          </a:p>
+          <a:p>
+            <a:pPr marL="285750" indent="-285750">
+              <a:buFont typeface="Arial" panose="020B0604020202020204" pitchFamily="34" charset="0"/>
+              <a:buChar char="•"/>
+            </a:pPr>
+            <a:r>
+              <a:rPr lang="en-IN" dirty="0"/>
+              <a:t>We are trying to develop an easy to use and intuitive UI for the application.</a:t>
             </a:r>
           </a:p>
           <a:p>
@@ -6219,8 +6294,8 @@
         </p:nvSpPr>
         <p:spPr>
           <a:xfrm>
-            <a:off x="372862" y="1940400"/>
-            <a:ext cx="7901126" cy="2585323"/>
+            <a:off x="372862" y="1709580"/>
+            <a:ext cx="7901126" cy="4801314"/>
           </a:xfrm>
           <a:prstGeom prst="rect">
             <a:avLst/>
@@ -6239,7 +6314,15 @@
             </a:pPr>
             <a:r>
               <a:rPr lang="en-US" dirty="0"/>
-              <a:t>Our work is going as planned by our team and we have finished about 60% of the expected project.</a:t>
+              <a:t>We have used a </a:t>
+            </a:r>
+            <a:r>
+              <a:rPr lang="en-US" b="1" dirty="0"/>
+              <a:t>novel approach </a:t>
+            </a:r>
+            <a:r>
+              <a:rPr lang="en-US" dirty="0"/>
+              <a:t>by not only using computer vision to perform object detection and tagging but have also combined it with NLP techniques such as sequence models to generate descriptions of scenes with objects such that they can be tagged and described without manually watching them. We also used word embeddings to obtain relevant searches on not just a contextual level but also at a semantic level.</a:t>
             </a:r>
           </a:p>
           <a:p>
@@ -6247,35 +6330,68 @@
               <a:buFont typeface="Arial" panose="020B0604020202020204" pitchFamily="34" charset="0"/>
               <a:buChar char="•"/>
             </a:pPr>
-            <a:endParaRPr lang="en-US" dirty="0"/>
+            <a:r>
+              <a:rPr lang="en-US" dirty="0"/>
+              <a:t>Our work is going as planned by our team and we have finished about 90% of the expected project.</a:t>
+            </a:r>
           </a:p>
           <a:p>
             <a:pPr marL="285750" indent="-285750">
               <a:buFont typeface="Arial" panose="020B0604020202020204" pitchFamily="34" charset="0"/>
               <a:buChar char="•"/>
             </a:pPr>
-            <a:r>
-              <a:rPr lang="en-US" dirty="0"/>
-              <a:t>We hope to continue to work on this and finish our planned objectives and start work on the final integration, which will be our next goal</a:t>
-            </a:r>
+            <a:endParaRPr lang="en-US" dirty="0"/>
           </a:p>
           <a:p>
             <a:pPr marL="285750" indent="-285750">
               <a:buFont typeface="Arial" panose="020B0604020202020204" pitchFamily="34" charset="0"/>
               <a:buChar char="•"/>
             </a:pPr>
-            <a:endParaRPr lang="en-US" dirty="0"/>
+            <a:r>
+              <a:rPr lang="en-US" dirty="0"/>
+              <a:t>We hope to continue to work on this and finish our planned objectives and start work on the final integration, which will be our next goal</a:t>
+            </a:r>
           </a:p>
           <a:p>
             <a:pPr marL="285750" indent="-285750">
               <a:buFont typeface="Arial" panose="020B0604020202020204" pitchFamily="34" charset="0"/>
               <a:buChar char="•"/>
             </a:pPr>
+            <a:endParaRPr lang="en-US" dirty="0"/>
+          </a:p>
+          <a:p>
+            <a:pPr marL="285750" indent="-285750">
+              <a:buFont typeface="Arial" panose="020B0604020202020204" pitchFamily="34" charset="0"/>
+              <a:buChar char="•"/>
+            </a:pPr>
             <a:r>
               <a:rPr lang="en-US" dirty="0"/>
-              <a:t> We are also working on the efficiency and are planning on implementing parallel searching and extraction which will reduce latency and bring in faster results.</a:t>
-            </a:r>
-            <a:endParaRPr lang="en-IN" dirty="0"/>
+              <a:t>We are also working on the efficiency and are trying to reduce latency and bring in faster results.</a:t>
+            </a:r>
+          </a:p>
+          <a:p>
+            <a:pPr marL="285750" indent="-285750">
+              <a:buFont typeface="Arial" panose="020B0604020202020204" pitchFamily="34" charset="0"/>
+              <a:buChar char="•"/>
+            </a:pPr>
+            <a:endParaRPr lang="en-US" dirty="0"/>
+          </a:p>
+          <a:p>
+            <a:pPr marL="285750" indent="-285750">
+              <a:buFont typeface="Arial" panose="020B0604020202020204" pitchFamily="34" charset="0"/>
+              <a:buChar char="•"/>
+            </a:pPr>
+            <a:r>
+              <a:rPr lang="en-US" dirty="0"/>
+              <a:t>Our code can be found at </a:t>
+            </a:r>
+            <a:r>
+              <a:rPr lang="en-US" dirty="0">
+                <a:hlinkClick r:id="rId3"/>
+              </a:rPr>
+              <a:t>https://bit.ly/intelnlq</a:t>
+            </a:r>
+            <a:endParaRPr lang="en-IN" b="1" i="1" dirty="0"/>
           </a:p>
         </p:txBody>
       </p:sp>

--- a/Presentation/Intel Contest_template.pptx
+++ b/Presentation/Intel Contest_template.pptx
@@ -5,17 +5,18 @@
     <p:sldMasterId id="2147483648" r:id="rId1"/>
   </p:sldMasterIdLst>
   <p:notesMasterIdLst>
-    <p:notesMasterId r:id="rId10"/>
+    <p:notesMasterId r:id="rId11"/>
   </p:notesMasterIdLst>
   <p:sldIdLst>
     <p:sldId id="256" r:id="rId2"/>
     <p:sldId id="257" r:id="rId3"/>
     <p:sldId id="258" r:id="rId4"/>
     <p:sldId id="259" r:id="rId5"/>
-    <p:sldId id="260" r:id="rId6"/>
-    <p:sldId id="261" r:id="rId7"/>
-    <p:sldId id="262" r:id="rId8"/>
-    <p:sldId id="263" r:id="rId9"/>
+    <p:sldId id="264" r:id="rId6"/>
+    <p:sldId id="260" r:id="rId7"/>
+    <p:sldId id="261" r:id="rId8"/>
+    <p:sldId id="262" r:id="rId9"/>
+    <p:sldId id="263" r:id="rId10"/>
   </p:sldIdLst>
   <p:sldSz cx="9144000" cy="6858000" type="screen4x3"/>
   <p:notesSz cx="6796088" cy="9874250"/>
@@ -1045,7 +1046,7 @@
       </p:grpSpPr>
       <p:sp>
         <p:nvSpPr>
-          <p:cNvPr id="77" name="CustomShape 1"/>
+          <p:cNvPr id="76" name="CustomShape 1"/>
           <p:cNvSpPr/>
           <p:nvPr/>
         </p:nvSpPr>
@@ -1100,6 +1101,11 @@
         </p:style>
       </p:sp>
     </p:spTree>
+    <p:extLst>
+      <p:ext uri="{BB962C8B-B14F-4D97-AF65-F5344CB8AC3E}">
+        <p14:creationId xmlns:p14="http://schemas.microsoft.com/office/powerpoint/2010/main" val="4013407041"/>
+      </p:ext>
+    </p:extLst>
   </p:cSld>
   <p:clrMapOvr>
     <a:masterClrMapping/>
@@ -1126,14 +1132,14 @@
       </p:grpSpPr>
       <p:sp>
         <p:nvSpPr>
-          <p:cNvPr id="78" name="CustomShape 1"/>
+          <p:cNvPr id="77" name="CustomShape 1"/>
           <p:cNvSpPr/>
           <p:nvPr/>
         </p:nvSpPr>
         <p:spPr>
           <a:xfrm>
-            <a:off x="681120" y="4691160"/>
-            <a:ext cx="5437080" cy="4443480"/>
+            <a:off x="755640" y="5078520"/>
+            <a:ext cx="6048360" cy="4811760"/>
           </a:xfrm>
           <a:custGeom>
             <a:avLst/>
@@ -1180,16 +1186,41 @@
           <a:fontRef idx="minor"/>
         </p:style>
       </p:sp>
-      <p:sp>
-        <p:nvSpPr>
-          <p:cNvPr id="79" name="CustomShape 2"/>
+    </p:spTree>
+  </p:cSld>
+  <p:clrMapOvr>
+    <a:masterClrMapping/>
+  </p:clrMapOvr>
+</p:notes>
+</file>
+
+<file path=ppt/notesSlides/notesSlide7.xml><?xml version="1.0" encoding="utf-8"?>
+<p:notes xmlns:a="http://schemas.openxmlformats.org/drawingml/2006/main" xmlns:r="http://schemas.openxmlformats.org/officeDocument/2006/relationships" xmlns:p="http://schemas.openxmlformats.org/presentationml/2006/main">
+  <p:cSld>
+    <p:spTree>
+      <p:nvGrpSpPr>
+        <p:cNvPr id="1" name=""/>
+        <p:cNvGrpSpPr/>
+        <p:nvPr/>
+      </p:nvGrpSpPr>
+      <p:grpSpPr>
+        <a:xfrm>
+          <a:off x="0" y="0"/>
+          <a:ext cx="0" cy="0"/>
+          <a:chOff x="0" y="0"/>
+          <a:chExt cx="0" cy="0"/>
+        </a:xfrm>
+      </p:grpSpPr>
+      <p:sp>
+        <p:nvSpPr>
+          <p:cNvPr id="78" name="CustomShape 1"/>
           <p:cNvSpPr/>
           <p:nvPr/>
         </p:nvSpPr>
         <p:spPr>
           <a:xfrm>
-            <a:off x="3849840" y="9379080"/>
-            <a:ext cx="2946240" cy="493560"/>
+            <a:off x="681120" y="4691160"/>
+            <a:ext cx="5437080" cy="4443480"/>
           </a:xfrm>
           <a:custGeom>
             <a:avLst/>
@@ -1235,79 +1266,17 @@
           </a:effectRef>
           <a:fontRef idx="minor"/>
         </p:style>
-        <p:txBody>
-          <a:bodyPr anchor="b"/>
-          <a:lstStyle/>
-          <a:p>
-            <a:pPr algn="r">
-              <a:lnSpc>
-                <a:spcPct val="100000"/>
-              </a:lnSpc>
-            </a:pPr>
-            <a:fld id="{1237F835-7D25-4B88-A08C-B3F7E89CF45B}" type="slidenum">
-              <a:rPr lang="en-IN" sz="1200" b="0" strike="noStrike" spc="-1">
-                <a:solidFill>
-                  <a:srgbClr val="000000"/>
-                </a:solidFill>
-                <a:uFill>
-                  <a:solidFill>
-                    <a:srgbClr val="FFFFFF"/>
-                  </a:solidFill>
-                </a:uFill>
-                <a:latin typeface="Arial"/>
-                <a:ea typeface="+mn-ea"/>
-              </a:rPr>
-              <a:t>6</a:t>
-            </a:fld>
-            <a:endParaRPr lang="en-IN" sz="1800" b="0" strike="noStrike" spc="-1">
-              <a:solidFill>
-                <a:srgbClr val="000000"/>
-              </a:solidFill>
-              <a:uFill>
-                <a:solidFill>
-                  <a:srgbClr val="FFFFFF"/>
-                </a:solidFill>
-              </a:uFill>
-              <a:latin typeface="Arial"/>
-            </a:endParaRPr>
-          </a:p>
-        </p:txBody>
-      </p:sp>
-    </p:spTree>
-  </p:cSld>
-  <p:clrMapOvr>
-    <a:masterClrMapping/>
-  </p:clrMapOvr>
-</p:notes>
-</file>
-
-<file path=ppt/notesSlides/notesSlide7.xml><?xml version="1.0" encoding="utf-8"?>
-<p:notes xmlns:a="http://schemas.openxmlformats.org/drawingml/2006/main" xmlns:r="http://schemas.openxmlformats.org/officeDocument/2006/relationships" xmlns:p="http://schemas.openxmlformats.org/presentationml/2006/main">
-  <p:cSld>
-    <p:spTree>
-      <p:nvGrpSpPr>
-        <p:cNvPr id="1" name=""/>
-        <p:cNvGrpSpPr/>
-        <p:nvPr/>
-      </p:nvGrpSpPr>
-      <p:grpSpPr>
-        <a:xfrm>
-          <a:off x="0" y="0"/>
-          <a:ext cx="0" cy="0"/>
-          <a:chOff x="0" y="0"/>
-          <a:chExt cx="0" cy="0"/>
-        </a:xfrm>
-      </p:grpSpPr>
-      <p:sp>
-        <p:nvSpPr>
-          <p:cNvPr id="80" name="CustomShape 1"/>
+      </p:sp>
+      <p:sp>
+        <p:nvSpPr>
+          <p:cNvPr id="79" name="CustomShape 2"/>
           <p:cNvSpPr/>
           <p:nvPr/>
         </p:nvSpPr>
         <p:spPr>
           <a:xfrm>
-            <a:off x="681120" y="4691160"/>
-            <a:ext cx="5437080" cy="4443480"/>
+            <a:off x="3849840" y="9379080"/>
+            <a:ext cx="2946240" cy="493560"/>
           </a:xfrm>
           <a:custGeom>
             <a:avLst/>
@@ -1353,17 +1322,79 @@
           </a:effectRef>
           <a:fontRef idx="minor"/>
         </p:style>
-      </p:sp>
-      <p:sp>
-        <p:nvSpPr>
-          <p:cNvPr id="81" name="CustomShape 2"/>
+        <p:txBody>
+          <a:bodyPr anchor="b"/>
+          <a:lstStyle/>
+          <a:p>
+            <a:pPr algn="r">
+              <a:lnSpc>
+                <a:spcPct val="100000"/>
+              </a:lnSpc>
+            </a:pPr>
+            <a:fld id="{1237F835-7D25-4B88-A08C-B3F7E89CF45B}" type="slidenum">
+              <a:rPr lang="en-IN" sz="1200" b="0" strike="noStrike" spc="-1">
+                <a:solidFill>
+                  <a:srgbClr val="000000"/>
+                </a:solidFill>
+                <a:uFill>
+                  <a:solidFill>
+                    <a:srgbClr val="FFFFFF"/>
+                  </a:solidFill>
+                </a:uFill>
+                <a:latin typeface="Arial"/>
+                <a:ea typeface="+mn-ea"/>
+              </a:rPr>
+              <a:t>7</a:t>
+            </a:fld>
+            <a:endParaRPr lang="en-IN" sz="1800" b="0" strike="noStrike" spc="-1">
+              <a:solidFill>
+                <a:srgbClr val="000000"/>
+              </a:solidFill>
+              <a:uFill>
+                <a:solidFill>
+                  <a:srgbClr val="FFFFFF"/>
+                </a:solidFill>
+              </a:uFill>
+              <a:latin typeface="Arial"/>
+            </a:endParaRPr>
+          </a:p>
+        </p:txBody>
+      </p:sp>
+    </p:spTree>
+  </p:cSld>
+  <p:clrMapOvr>
+    <a:masterClrMapping/>
+  </p:clrMapOvr>
+</p:notes>
+</file>
+
+<file path=ppt/notesSlides/notesSlide8.xml><?xml version="1.0" encoding="utf-8"?>
+<p:notes xmlns:a="http://schemas.openxmlformats.org/drawingml/2006/main" xmlns:r="http://schemas.openxmlformats.org/officeDocument/2006/relationships" xmlns:p="http://schemas.openxmlformats.org/presentationml/2006/main">
+  <p:cSld>
+    <p:spTree>
+      <p:nvGrpSpPr>
+        <p:cNvPr id="1" name=""/>
+        <p:cNvGrpSpPr/>
+        <p:nvPr/>
+      </p:nvGrpSpPr>
+      <p:grpSpPr>
+        <a:xfrm>
+          <a:off x="0" y="0"/>
+          <a:ext cx="0" cy="0"/>
+          <a:chOff x="0" y="0"/>
+          <a:chExt cx="0" cy="0"/>
+        </a:xfrm>
+      </p:grpSpPr>
+      <p:sp>
+        <p:nvSpPr>
+          <p:cNvPr id="80" name="CustomShape 1"/>
           <p:cNvSpPr/>
           <p:nvPr/>
         </p:nvSpPr>
         <p:spPr>
           <a:xfrm>
-            <a:off x="3849840" y="9379080"/>
-            <a:ext cx="2946240" cy="493560"/>
+            <a:off x="681120" y="4691160"/>
+            <a:ext cx="5437080" cy="4443480"/>
           </a:xfrm>
           <a:custGeom>
             <a:avLst/>
@@ -1409,6 +1440,62 @@
           </a:effectRef>
           <a:fontRef idx="minor"/>
         </p:style>
+      </p:sp>
+      <p:sp>
+        <p:nvSpPr>
+          <p:cNvPr id="81" name="CustomShape 2"/>
+          <p:cNvSpPr/>
+          <p:nvPr/>
+        </p:nvSpPr>
+        <p:spPr>
+          <a:xfrm>
+            <a:off x="3849840" y="9379080"/>
+            <a:ext cx="2946240" cy="493560"/>
+          </a:xfrm>
+          <a:custGeom>
+            <a:avLst/>
+            <a:gdLst/>
+            <a:ahLst/>
+            <a:cxnLst/>
+            <a:rect l="l" t="t" r="r" b="b"/>
+            <a:pathLst>
+              <a:path w="21600" h="21600">
+                <a:moveTo>
+                  <a:pt x="0" y="0"/>
+                </a:moveTo>
+                <a:lnTo>
+                  <a:pt x="21600" y="0"/>
+                </a:lnTo>
+                <a:lnTo>
+                  <a:pt x="21600" y="21600"/>
+                </a:lnTo>
+                <a:lnTo>
+                  <a:pt x="0" y="21600"/>
+                </a:lnTo>
+                <a:lnTo>
+                  <a:pt x="0" y="0"/>
+                </a:lnTo>
+                <a:close/>
+              </a:path>
+            </a:pathLst>
+          </a:custGeom>
+          <a:noFill/>
+          <a:ln>
+            <a:noFill/>
+          </a:ln>
+        </p:spPr>
+        <p:style>
+          <a:lnRef idx="0">
+            <a:scrgbClr r="0" g="0" b="0"/>
+          </a:lnRef>
+          <a:fillRef idx="0">
+            <a:scrgbClr r="0" g="0" b="0"/>
+          </a:fillRef>
+          <a:effectRef idx="0">
+            <a:scrgbClr r="0" g="0" b="0"/>
+          </a:effectRef>
+          <a:fontRef idx="minor"/>
+        </p:style>
         <p:txBody>
           <a:bodyPr anchor="b"/>
           <a:lstStyle/>
@@ -1431,7 +1518,7 @@
                 <a:latin typeface="Arial"/>
                 <a:ea typeface="+mn-ea"/>
               </a:rPr>
-              <a:t>7</a:t>
+              <a:t>8</a:t>
             </a:fld>
             <a:endParaRPr lang="en-IN" sz="1800" b="0" strike="noStrike" spc="-1">
               <a:solidFill>
@@ -1455,7 +1542,7 @@
 </p:notes>
 </file>
 
-<file path=ppt/notesSlides/notesSlide8.xml><?xml version="1.0" encoding="utf-8"?>
+<file path=ppt/notesSlides/notesSlide9.xml><?xml version="1.0" encoding="utf-8"?>
 <p:notes xmlns:a="http://schemas.openxmlformats.org/drawingml/2006/main" xmlns:r="http://schemas.openxmlformats.org/officeDocument/2006/relationships" xmlns:p="http://schemas.openxmlformats.org/presentationml/2006/main">
   <p:cSld>
     <p:spTree>
@@ -5038,7 +5125,7 @@
         <p:spPr>
           <a:xfrm>
             <a:off x="372862" y="1753967"/>
-            <a:ext cx="7901126" cy="2031325"/>
+            <a:ext cx="7901126" cy="1754326"/>
           </a:xfrm>
           <a:prstGeom prst="rect">
             <a:avLst/>
@@ -5051,20 +5138,6 @@
           </a:bodyPr>
           <a:lstStyle/>
           <a:p>
-            <a:pPr marL="285750" indent="-285750">
-              <a:buFont typeface="Arial" panose="020B0604020202020204" pitchFamily="34" charset="0"/>
-              <a:buChar char="•"/>
-            </a:pPr>
-            <a:r>
-              <a:rPr lang="en-IN" dirty="0"/>
-              <a:t>We are in the process of creating a polished UI for the application</a:t>
-            </a:r>
-          </a:p>
-          <a:p>
-            <a:pPr marL="285750" indent="-285750">
-              <a:buFont typeface="Arial" panose="020B0604020202020204" pitchFamily="34" charset="0"/>
-              <a:buChar char="•"/>
-            </a:pPr>
             <a:endParaRPr lang="en-IN" dirty="0"/>
           </a:p>
           <a:p>
@@ -5272,8 +5345,8 @@
         </p:nvSpPr>
         <p:spPr>
           <a:xfrm>
-            <a:off x="372862" y="1753967"/>
-            <a:ext cx="7901126" cy="4801314"/>
+            <a:off x="372862" y="1617840"/>
+            <a:ext cx="7901126" cy="5078313"/>
           </a:xfrm>
           <a:prstGeom prst="rect">
             <a:avLst/>
@@ -5340,7 +5413,7 @@
             </a:pPr>
             <a:r>
               <a:rPr lang="en-IN" dirty="0"/>
-              <a:t>The query was matched with the video by converting each into a vector space and found the similarities between the two feature spaces. This entire process was added into a pipeline to run as an executable.</a:t>
+              <a:t>The query was matched with the video by converting each into a vector space and found the similarities between the two feature spaces. This entire process was added into a pipeline to run as an executable with a user friendly GUI.</a:t>
             </a:r>
           </a:p>
         </p:txBody>
@@ -5407,7 +5480,7 @@
       </p:grpSpPr>
       <p:sp>
         <p:nvSpPr>
-          <p:cNvPr id="62" name="CustomShape 1"/>
+          <p:cNvPr id="60" name="CustomShape 1"/>
           <p:cNvSpPr/>
           <p:nvPr/>
         </p:nvSpPr>
@@ -5441,14 +5514,14 @@
       </p:sp>
       <p:sp>
         <p:nvSpPr>
-          <p:cNvPr id="63" name="CustomShape 2"/>
+          <p:cNvPr id="61" name="CustomShape 2"/>
           <p:cNvSpPr/>
           <p:nvPr/>
         </p:nvSpPr>
         <p:spPr>
           <a:xfrm>
             <a:off x="1371600" y="1143000"/>
-            <a:ext cx="7772400" cy="395280"/>
+            <a:ext cx="7772400" cy="456120"/>
           </a:xfrm>
           <a:prstGeom prst="rect">
             <a:avLst/>
@@ -5480,7 +5553,7 @@
               </a:lnSpc>
             </a:pPr>
             <a:r>
-              <a:rPr lang="en-IN" sz="2000" b="0" strike="noStrike" spc="-1">
+              <a:rPr lang="en-IN" sz="2400" b="0" strike="noStrike" spc="-1" dirty="0">
                 <a:solidFill>
                   <a:srgbClr val="FF0000"/>
                 </a:solidFill>
@@ -5491,9 +5564,9 @@
                 </a:uFill>
                 <a:latin typeface="Trebuchet MS"/>
               </a:rPr>
-              <a:t>Any obstacles/challenges and any Assistance Required </a:t>
-            </a:r>
-            <a:endParaRPr lang="en-IN" sz="1800" b="0" strike="noStrike" spc="-1">
+              <a:t>Screenshots</a:t>
+            </a:r>
+            <a:endParaRPr lang="en-IN" sz="1800" b="0" strike="noStrike" spc="-1" dirty="0">
               <a:solidFill>
                 <a:srgbClr val="000000"/>
               </a:solidFill>
@@ -5507,44 +5580,102 @@
           </a:p>
         </p:txBody>
       </p:sp>
-      <p:sp>
-        <p:nvSpPr>
-          <p:cNvPr id="64" name="CustomShape 3"/>
-          <p:cNvSpPr/>
-          <p:nvPr/>
-        </p:nvSpPr>
-        <p:spPr>
-          <a:xfrm>
-            <a:off x="533520" y="1828800"/>
-            <a:ext cx="7010280" cy="4724280"/>
-          </a:xfrm>
-          <a:prstGeom prst="rect">
-            <a:avLst/>
-          </a:prstGeom>
-          <a:noFill/>
-          <a:ln>
-            <a:noFill/>
-          </a:ln>
-        </p:spPr>
-        <p:style>
-          <a:lnRef idx="0">
-            <a:scrgbClr r="0" g="0" b="0"/>
-          </a:lnRef>
-          <a:fillRef idx="0">
-            <a:scrgbClr r="0" g="0" b="0"/>
-          </a:fillRef>
-          <a:effectRef idx="0">
-            <a:scrgbClr r="0" g="0" b="0"/>
-          </a:effectRef>
-          <a:fontRef idx="minor"/>
-        </p:style>
-      </p:sp>
-      <p:sp>
-        <p:nvSpPr>
-          <p:cNvPr id="5" name="TextBox 4">
+      <p:pic>
+        <p:nvPicPr>
+          <p:cNvPr id="3" name="Picture 2">
             <a:extLst>
               <a:ext uri="{FF2B5EF4-FFF2-40B4-BE49-F238E27FC236}">
-                <a16:creationId xmlns:a16="http://schemas.microsoft.com/office/drawing/2014/main" id="{69EF3183-ED4C-4065-A20D-6E43687B9D41}"/>
+                <a16:creationId xmlns:a16="http://schemas.microsoft.com/office/drawing/2014/main" id="{FD8386AC-3641-41E5-8237-F4D238C0A12B}"/>
+              </a:ext>
+            </a:extLst>
+          </p:cNvPr>
+          <p:cNvPicPr>
+            <a:picLocks noChangeAspect="1"/>
+          </p:cNvPicPr>
+          <p:nvPr/>
+        </p:nvPicPr>
+        <p:blipFill>
+          <a:blip r:embed="rId3"/>
+          <a:stretch>
+            <a:fillRect/>
+          </a:stretch>
+        </p:blipFill>
+        <p:spPr>
+          <a:xfrm>
+            <a:off x="591180" y="1729980"/>
+            <a:ext cx="3024573" cy="2209682"/>
+          </a:xfrm>
+          <a:prstGeom prst="rect">
+            <a:avLst/>
+          </a:prstGeom>
+        </p:spPr>
+      </p:pic>
+      <p:pic>
+        <p:nvPicPr>
+          <p:cNvPr id="6" name="Picture 5">
+            <a:extLst>
+              <a:ext uri="{FF2B5EF4-FFF2-40B4-BE49-F238E27FC236}">
+                <a16:creationId xmlns:a16="http://schemas.microsoft.com/office/drawing/2014/main" id="{FA39B3E3-96D6-4A71-8CDA-60DAE1AF8400}"/>
+              </a:ext>
+            </a:extLst>
+          </p:cNvPr>
+          <p:cNvPicPr>
+            <a:picLocks noChangeAspect="1"/>
+          </p:cNvPicPr>
+          <p:nvPr/>
+        </p:nvPicPr>
+        <p:blipFill>
+          <a:blip r:embed="rId4"/>
+          <a:stretch>
+            <a:fillRect/>
+          </a:stretch>
+        </p:blipFill>
+        <p:spPr>
+          <a:xfrm>
+            <a:off x="4829078" y="1729980"/>
+            <a:ext cx="3035943" cy="2209682"/>
+          </a:xfrm>
+          <a:prstGeom prst="rect">
+            <a:avLst/>
+          </a:prstGeom>
+        </p:spPr>
+      </p:pic>
+      <p:pic>
+        <p:nvPicPr>
+          <p:cNvPr id="8" name="Picture 7">
+            <a:extLst>
+              <a:ext uri="{FF2B5EF4-FFF2-40B4-BE49-F238E27FC236}">
+                <a16:creationId xmlns:a16="http://schemas.microsoft.com/office/drawing/2014/main" id="{FDE701D8-C0CD-40EA-9DBB-AAD1F3E42370}"/>
+              </a:ext>
+            </a:extLst>
+          </p:cNvPr>
+          <p:cNvPicPr>
+            <a:picLocks noChangeAspect="1"/>
+          </p:cNvPicPr>
+          <p:nvPr/>
+        </p:nvPicPr>
+        <p:blipFill>
+          <a:blip r:embed="rId5"/>
+          <a:stretch>
+            <a:fillRect/>
+          </a:stretch>
+        </p:blipFill>
+        <p:spPr>
+          <a:xfrm>
+            <a:off x="2445669" y="4310389"/>
+            <a:ext cx="3615655" cy="2042122"/>
+          </a:xfrm>
+          <a:prstGeom prst="rect">
+            <a:avLst/>
+          </a:prstGeom>
+        </p:spPr>
+      </p:pic>
+      <p:sp>
+        <p:nvSpPr>
+          <p:cNvPr id="9" name="TextBox 8">
+            <a:extLst>
+              <a:ext uri="{FF2B5EF4-FFF2-40B4-BE49-F238E27FC236}">
+                <a16:creationId xmlns:a16="http://schemas.microsoft.com/office/drawing/2014/main" id="{A183E9CF-BAD0-4003-8023-6AB103402270}"/>
               </a:ext>
             </a:extLst>
           </p:cNvPr>
@@ -5553,8 +5684,8 @@
         </p:nvSpPr>
         <p:spPr>
           <a:xfrm>
-            <a:off x="372862" y="1940400"/>
-            <a:ext cx="7901126" cy="2585323"/>
+            <a:off x="1659273" y="4007456"/>
+            <a:ext cx="910827" cy="253916"/>
           </a:xfrm>
           <a:prstGeom prst="rect">
             <a:avLst/>
@@ -5562,57 +5693,176 @@
           <a:noFill/>
         </p:spPr>
         <p:txBody>
-          <a:bodyPr wrap="square" rtlCol="0">
+          <a:bodyPr wrap="none" rtlCol="0">
             <a:spAutoFit/>
           </a:bodyPr>
           <a:lstStyle/>
           <a:p>
-            <a:pPr marL="285750" indent="-285750">
-              <a:buFont typeface="Arial" panose="020B0604020202020204" pitchFamily="34" charset="0"/>
-              <a:buChar char="•"/>
-            </a:pPr>
-            <a:r>
-              <a:rPr lang="en-IN" dirty="0"/>
-              <a:t>Time is a constraint – a large portion of the video tagging unit takes a lot of time to generate tags since it uses various approaches and then picks the best one.</a:t>
-            </a:r>
-          </a:p>
-          <a:p>
-            <a:pPr marL="285750" indent="-285750">
-              <a:buFont typeface="Arial" panose="020B0604020202020204" pitchFamily="34" charset="0"/>
-              <a:buChar char="•"/>
-            </a:pPr>
-            <a:endParaRPr lang="en-IN" dirty="0"/>
-          </a:p>
-          <a:p>
-            <a:pPr marL="285750" indent="-285750">
-              <a:buFont typeface="Arial" panose="020B0604020202020204" pitchFamily="34" charset="0"/>
-              <a:buChar char="•"/>
-            </a:pPr>
-            <a:r>
-              <a:rPr lang="en-IN" dirty="0"/>
-              <a:t>Speech recognition – It is not that accurate when it comes to other languages apart from English, leading to mismatched outputs.</a:t>
-            </a:r>
-          </a:p>
-          <a:p>
-            <a:pPr marL="285750" indent="-285750">
-              <a:buFont typeface="Arial" panose="020B0604020202020204" pitchFamily="34" charset="0"/>
-              <a:buChar char="•"/>
-            </a:pPr>
-            <a:endParaRPr lang="en-IN" dirty="0"/>
-          </a:p>
-          <a:p>
-            <a:pPr marL="285750" indent="-285750">
-              <a:buFont typeface="Arial" panose="020B0604020202020204" pitchFamily="34" charset="0"/>
-              <a:buChar char="•"/>
-            </a:pPr>
-            <a:r>
-              <a:rPr lang="en-IN" dirty="0"/>
-              <a:t>Filtering of keywords – The semi-supervised approach tends to result in a few irrelevant keywords even after taking frequency into consideration. </a:t>
+            <a:r>
+              <a:rPr lang="en-IN" sz="1050" b="1" dirty="0"/>
+              <a:t>GUI Screen</a:t>
             </a:r>
           </a:p>
         </p:txBody>
       </p:sp>
+      <p:sp>
+        <p:nvSpPr>
+          <p:cNvPr id="12" name="TextBox 11">
+            <a:extLst>
+              <a:ext uri="{FF2B5EF4-FFF2-40B4-BE49-F238E27FC236}">
+                <a16:creationId xmlns:a16="http://schemas.microsoft.com/office/drawing/2014/main" id="{7C930651-DFA4-42FB-BF8A-7A06393E99AF}"/>
+              </a:ext>
+            </a:extLst>
+          </p:cNvPr>
+          <p:cNvSpPr txBox="1"/>
+          <p:nvPr/>
+        </p:nvSpPr>
+        <p:spPr>
+          <a:xfrm>
+            <a:off x="5001969" y="4007456"/>
+            <a:ext cx="2898550" cy="253916"/>
+          </a:xfrm>
+          <a:prstGeom prst="rect">
+            <a:avLst/>
+          </a:prstGeom>
+          <a:noFill/>
+        </p:spPr>
+        <p:txBody>
+          <a:bodyPr wrap="none" rtlCol="0">
+            <a:spAutoFit/>
+          </a:bodyPr>
+          <a:lstStyle/>
+          <a:p>
+            <a:r>
+              <a:rPr lang="en-IN" sz="1050" b="1" dirty="0"/>
+              <a:t>After clicking on search and making query</a:t>
+            </a:r>
+          </a:p>
+        </p:txBody>
+      </p:sp>
+      <p:sp>
+        <p:nvSpPr>
+          <p:cNvPr id="13" name="TextBox 12">
+            <a:extLst>
+              <a:ext uri="{FF2B5EF4-FFF2-40B4-BE49-F238E27FC236}">
+                <a16:creationId xmlns:a16="http://schemas.microsoft.com/office/drawing/2014/main" id="{297A2936-8C1F-4494-85C3-9D7A451F4136}"/>
+              </a:ext>
+            </a:extLst>
+          </p:cNvPr>
+          <p:cNvSpPr txBox="1"/>
+          <p:nvPr/>
+        </p:nvSpPr>
+        <p:spPr>
+          <a:xfrm>
+            <a:off x="3721941" y="6351388"/>
+            <a:ext cx="1119217" cy="253916"/>
+          </a:xfrm>
+          <a:prstGeom prst="rect">
+            <a:avLst/>
+          </a:prstGeom>
+          <a:noFill/>
+        </p:spPr>
+        <p:txBody>
+          <a:bodyPr wrap="none" rtlCol="0">
+            <a:spAutoFit/>
+          </a:bodyPr>
+          <a:lstStyle/>
+          <a:p>
+            <a:r>
+              <a:rPr lang="en-IN" sz="1050" b="1" dirty="0"/>
+              <a:t>Matched video</a:t>
+            </a:r>
+          </a:p>
+        </p:txBody>
+      </p:sp>
+      <p:cxnSp>
+        <p:nvCxnSpPr>
+          <p:cNvPr id="11" name="Straight Arrow Connector 10">
+            <a:extLst>
+              <a:ext uri="{FF2B5EF4-FFF2-40B4-BE49-F238E27FC236}">
+                <a16:creationId xmlns:a16="http://schemas.microsoft.com/office/drawing/2014/main" id="{F375AE53-80E0-4355-8666-2F3163B7661A}"/>
+              </a:ext>
+            </a:extLst>
+          </p:cNvPr>
+          <p:cNvCxnSpPr/>
+          <p:nvPr/>
+        </p:nvCxnSpPr>
+        <p:spPr>
+          <a:xfrm>
+            <a:off x="3875714" y="2834821"/>
+            <a:ext cx="763398" cy="0"/>
+          </a:xfrm>
+          <a:prstGeom prst="straightConnector1">
+            <a:avLst/>
+          </a:prstGeom>
+          <a:ln>
+            <a:tailEnd type="triangle"/>
+          </a:ln>
+        </p:spPr>
+        <p:style>
+          <a:lnRef idx="1">
+            <a:schemeClr val="accent1"/>
+          </a:lnRef>
+          <a:fillRef idx="0">
+            <a:schemeClr val="accent1"/>
+          </a:fillRef>
+          <a:effectRef idx="0">
+            <a:schemeClr val="accent1"/>
+          </a:effectRef>
+          <a:fontRef idx="minor">
+            <a:schemeClr val="tx1"/>
+          </a:fontRef>
+        </p:style>
+      </p:cxnSp>
+      <p:cxnSp>
+        <p:nvCxnSpPr>
+          <p:cNvPr id="20" name="Connector: Elbow 19">
+            <a:extLst>
+              <a:ext uri="{FF2B5EF4-FFF2-40B4-BE49-F238E27FC236}">
+                <a16:creationId xmlns:a16="http://schemas.microsoft.com/office/drawing/2014/main" id="{C4B229AF-9A87-4508-A14A-44B44C080559}"/>
+              </a:ext>
+            </a:extLst>
+          </p:cNvPr>
+          <p:cNvCxnSpPr>
+            <a:cxnSpLocks/>
+          </p:cNvCxnSpPr>
+          <p:nvPr/>
+        </p:nvCxnSpPr>
+        <p:spPr>
+          <a:xfrm rot="5400000">
+            <a:off x="5943654" y="4576591"/>
+            <a:ext cx="914295" cy="419449"/>
+          </a:xfrm>
+          <a:prstGeom prst="bentConnector3">
+            <a:avLst>
+              <a:gd name="adj1" fmla="val 100465"/>
+            </a:avLst>
+          </a:prstGeom>
+          <a:ln>
+            <a:tailEnd type="triangle"/>
+          </a:ln>
+        </p:spPr>
+        <p:style>
+          <a:lnRef idx="1">
+            <a:schemeClr val="accent1"/>
+          </a:lnRef>
+          <a:fillRef idx="0">
+            <a:schemeClr val="accent1"/>
+          </a:fillRef>
+          <a:effectRef idx="0">
+            <a:schemeClr val="accent1"/>
+          </a:effectRef>
+          <a:fontRef idx="minor">
+            <a:schemeClr val="tx1"/>
+          </a:fontRef>
+        </p:style>
+      </p:cxnSp>
     </p:spTree>
+    <p:extLst>
+      <p:ext uri="{BB962C8B-B14F-4D97-AF65-F5344CB8AC3E}">
+        <p14:creationId xmlns:p14="http://schemas.microsoft.com/office/powerpoint/2010/main" val="55594042"/>
+      </p:ext>
+    </p:extLst>
   </p:cSld>
   <p:clrMapOvr>
     <a:masterClrMapping/>
@@ -5674,7 +5924,7 @@
       </p:grpSpPr>
       <p:sp>
         <p:nvSpPr>
-          <p:cNvPr id="65" name="CustomShape 1"/>
+          <p:cNvPr id="62" name="CustomShape 1"/>
           <p:cNvSpPr/>
           <p:nvPr/>
         </p:nvSpPr>
@@ -5708,7 +5958,7 @@
       </p:sp>
       <p:sp>
         <p:nvSpPr>
-          <p:cNvPr id="66" name="CustomShape 2"/>
+          <p:cNvPr id="63" name="CustomShape 2"/>
           <p:cNvSpPr/>
           <p:nvPr/>
         </p:nvSpPr>
@@ -5758,7 +6008,7 @@
                 </a:uFill>
                 <a:latin typeface="Trebuchet MS"/>
               </a:rPr>
-              <a:t>Key Deliverables for the next milestone</a:t>
+              <a:t>Any obstacles/challenges and any Assistance Required </a:t>
             </a:r>
             <a:endParaRPr lang="en-IN" sz="1800" b="0" strike="noStrike" spc="-1">
               <a:solidFill>
@@ -5776,14 +6026,14 @@
       </p:sp>
       <p:sp>
         <p:nvSpPr>
-          <p:cNvPr id="67" name="CustomShape 3"/>
+          <p:cNvPr id="64" name="CustomShape 3"/>
           <p:cNvSpPr/>
           <p:nvPr/>
         </p:nvSpPr>
         <p:spPr>
           <a:xfrm>
             <a:off x="533520" y="1828800"/>
-            <a:ext cx="7619760" cy="4724280"/>
+            <a:ext cx="7010280" cy="4724280"/>
           </a:xfrm>
           <a:prstGeom prst="rect">
             <a:avLst/>
@@ -5805,113 +6055,13 @@
           </a:effectRef>
           <a:fontRef idx="minor"/>
         </p:style>
-        <p:txBody>
-          <a:bodyPr lIns="90000" tIns="45000" rIns="90000" bIns="45000"/>
-          <a:lstStyle/>
-          <a:p>
-            <a:pPr marL="342720" indent="-339840">
-              <a:lnSpc>
-                <a:spcPct val="100000"/>
-              </a:lnSpc>
-            </a:pPr>
-            <a:r>
-              <a:rPr lang="en-IN" sz="2400" b="0" strike="noStrike" spc="-1">
-                <a:solidFill>
-                  <a:srgbClr val="0000FF"/>
-                </a:solidFill>
-                <a:uFill>
-                  <a:solidFill>
-                    <a:srgbClr val="FFFFFF"/>
-                  </a:solidFill>
-                </a:uFill>
-                <a:latin typeface="Trebuchet MS"/>
-              </a:rPr>
-              <a:t> </a:t>
-            </a:r>
-            <a:endParaRPr lang="en-IN" sz="1800" b="0" strike="noStrike" spc="-1">
-              <a:solidFill>
-                <a:srgbClr val="000000"/>
-              </a:solidFill>
-              <a:uFill>
-                <a:solidFill>
-                  <a:srgbClr val="FFFFFF"/>
-                </a:solidFill>
-              </a:uFill>
-              <a:latin typeface="Arial"/>
-            </a:endParaRPr>
-          </a:p>
-          <a:p>
-            <a:pPr algn="just">
-              <a:lnSpc>
-                <a:spcPct val="100000"/>
-              </a:lnSpc>
-            </a:pPr>
-            <a:r>
-              <a:rPr lang="en-IN" sz="2400" b="0" strike="noStrike" spc="-1">
-                <a:solidFill>
-                  <a:srgbClr val="0000FF"/>
-                </a:solidFill>
-                <a:uFill>
-                  <a:solidFill>
-                    <a:srgbClr val="FFFFFF"/>
-                  </a:solidFill>
-                </a:uFill>
-                <a:latin typeface="Trebuchet MS"/>
-              </a:rPr>
-              <a:t> </a:t>
-            </a:r>
-            <a:endParaRPr lang="en-IN" sz="1800" b="0" strike="noStrike" spc="-1">
-              <a:solidFill>
-                <a:srgbClr val="000000"/>
-              </a:solidFill>
-              <a:uFill>
-                <a:solidFill>
-                  <a:srgbClr val="FFFFFF"/>
-                </a:solidFill>
-              </a:uFill>
-              <a:latin typeface="Arial"/>
-            </a:endParaRPr>
-          </a:p>
-          <a:p>
-            <a:pPr marL="342720" indent="-339840">
-              <a:lnSpc>
-                <a:spcPct val="100000"/>
-              </a:lnSpc>
-            </a:pPr>
-            <a:r>
-              <a:rPr lang="en-IN" sz="2400" b="0" strike="noStrike" spc="-1">
-                <a:solidFill>
-                  <a:srgbClr val="0000FF"/>
-                </a:solidFill>
-                <a:uFill>
-                  <a:solidFill>
-                    <a:srgbClr val="FFFFFF"/>
-                  </a:solidFill>
-                </a:uFill>
-                <a:latin typeface="Trebuchet MS"/>
-              </a:rPr>
-              <a:t> </a:t>
-            </a:r>
-            <a:endParaRPr lang="en-IN" sz="1800" b="0" strike="noStrike" spc="-1">
-              <a:solidFill>
-                <a:srgbClr val="000000"/>
-              </a:solidFill>
-              <a:uFill>
-                <a:solidFill>
-                  <a:srgbClr val="FFFFFF"/>
-                </a:solidFill>
-              </a:uFill>
-              <a:latin typeface="Arial"/>
-            </a:endParaRPr>
-          </a:p>
-        </p:txBody>
       </p:sp>
       <p:sp>
         <p:nvSpPr>
           <p:cNvPr id="5" name="TextBox 4">
             <a:extLst>
               <a:ext uri="{FF2B5EF4-FFF2-40B4-BE49-F238E27FC236}">
-                <a16:creationId xmlns:a16="http://schemas.microsoft.com/office/drawing/2014/main" id="{00AE953F-3186-4822-AC1C-2D875CF6427A}"/>
+                <a16:creationId xmlns:a16="http://schemas.microsoft.com/office/drawing/2014/main" id="{69EF3183-ED4C-4065-A20D-6E43687B9D41}"/>
               </a:ext>
             </a:extLst>
           </p:cNvPr>
@@ -5920,8 +6070,8 @@
         </p:nvSpPr>
         <p:spPr>
           <a:xfrm>
-            <a:off x="392837" y="1908360"/>
-            <a:ext cx="7901126" cy="2031325"/>
+            <a:off x="372862" y="1940400"/>
+            <a:ext cx="7901126" cy="2862322"/>
           </a:xfrm>
           <a:prstGeom prst="rect">
             <a:avLst/>
@@ -5940,7 +6090,7 @@
             </a:pPr>
             <a:r>
               <a:rPr lang="en-IN" dirty="0"/>
-              <a:t>We hope to be able to perfect the speech recognition and tag generation.</a:t>
+              <a:t>Time is a constraint – a large portion of the video tagging unit takes a lot of time to generate tags since it also relies on an online lookup.</a:t>
             </a:r>
           </a:p>
           <a:p>
@@ -5957,7 +6107,7 @@
             </a:pPr>
             <a:r>
               <a:rPr lang="en-IN" dirty="0"/>
-              <a:t>We will also try to reduce the time taken to run the application. </a:t>
+              <a:t>Speech recognition – It is not that accurate when it comes to other languages apart from English, leading to mismatched outputs. It sometimes requires the user to speak clearly without any additional ambient noise.</a:t>
             </a:r>
           </a:p>
           <a:p>
@@ -5974,15 +6124,8 @@
             </a:pPr>
             <a:r>
               <a:rPr lang="en-IN" dirty="0"/>
-              <a:t>We are trying to develop an easy to use and intuitive UI for the application.</a:t>
-            </a:r>
-          </a:p>
-          <a:p>
-            <a:pPr marL="285750" indent="-285750">
-              <a:buFont typeface="Arial" panose="020B0604020202020204" pitchFamily="34" charset="0"/>
-              <a:buChar char="•"/>
-            </a:pPr>
-            <a:endParaRPr lang="en-IN" dirty="0"/>
+              <a:t>Filtering of keywords – The semi-supervised approach tends to result in a few irrelevant keywords even after taking frequency into consideration. </a:t>
+            </a:r>
           </a:p>
         </p:txBody>
       </p:sp>
@@ -6048,7 +6191,7 @@
       </p:grpSpPr>
       <p:sp>
         <p:nvSpPr>
-          <p:cNvPr id="68" name="CustomShape 1"/>
+          <p:cNvPr id="65" name="CustomShape 1"/>
           <p:cNvSpPr/>
           <p:nvPr/>
         </p:nvSpPr>
@@ -6082,7 +6225,7 @@
       </p:sp>
       <p:sp>
         <p:nvSpPr>
-          <p:cNvPr id="69" name="CustomShape 2"/>
+          <p:cNvPr id="66" name="CustomShape 2"/>
           <p:cNvSpPr/>
           <p:nvPr/>
         </p:nvSpPr>
@@ -6132,7 +6275,7 @@
                 </a:uFill>
                 <a:latin typeface="Trebuchet MS"/>
               </a:rPr>
-              <a:t>Summary</a:t>
+              <a:t>Key Deliverables for the next milestone</a:t>
             </a:r>
             <a:endParaRPr lang="en-IN" sz="1800" b="0" strike="noStrike" spc="-1">
               <a:solidFill>
@@ -6150,7 +6293,7 @@
       </p:sp>
       <p:sp>
         <p:nvSpPr>
-          <p:cNvPr id="70" name="CustomShape 3"/>
+          <p:cNvPr id="67" name="CustomShape 3"/>
           <p:cNvSpPr/>
           <p:nvPr/>
         </p:nvSpPr>
@@ -6285,7 +6428,7 @@
           <p:cNvPr id="5" name="TextBox 4">
             <a:extLst>
               <a:ext uri="{FF2B5EF4-FFF2-40B4-BE49-F238E27FC236}">
-                <a16:creationId xmlns:a16="http://schemas.microsoft.com/office/drawing/2014/main" id="{AA7F93CD-2B6F-482C-AD40-8081643D01BA}"/>
+                <a16:creationId xmlns:a16="http://schemas.microsoft.com/office/drawing/2014/main" id="{00AE953F-3186-4822-AC1C-2D875CF6427A}"/>
               </a:ext>
             </a:extLst>
           </p:cNvPr>
@@ -6294,8 +6437,8 @@
         </p:nvSpPr>
         <p:spPr>
           <a:xfrm>
-            <a:off x="372862" y="1709580"/>
-            <a:ext cx="7901126" cy="4801314"/>
+            <a:off x="392837" y="1908360"/>
+            <a:ext cx="7901126" cy="1477328"/>
           </a:xfrm>
           <a:prstGeom prst="rect">
             <a:avLst/>
@@ -6313,16 +6456,8 @@
               <a:buChar char="•"/>
             </a:pPr>
             <a:r>
-              <a:rPr lang="en-US" dirty="0"/>
-              <a:t>We have used a </a:t>
-            </a:r>
-            <a:r>
-              <a:rPr lang="en-US" b="1" dirty="0"/>
-              <a:t>novel approach </a:t>
-            </a:r>
-            <a:r>
-              <a:rPr lang="en-US" dirty="0"/>
-              <a:t>by not only using computer vision to perform object detection and tagging but have also combined it with NLP techniques such as sequence models to generate descriptions of scenes with objects such that they can be tagged and described without manually watching them. We also used word embeddings to obtain relevant searches on not just a contextual level but also at a semantic level.</a:t>
+              <a:rPr lang="en-IN" dirty="0"/>
+              <a:t>We hope to be able to perfect the speech recognition and tag generation.</a:t>
             </a:r>
           </a:p>
           <a:p>
@@ -6330,68 +6465,34 @@
               <a:buFont typeface="Arial" panose="020B0604020202020204" pitchFamily="34" charset="0"/>
               <a:buChar char="•"/>
             </a:pPr>
-            <a:r>
-              <a:rPr lang="en-US" dirty="0"/>
-              <a:t>Our work is going as planned by our team and we have finished about 90% of the expected project.</a:t>
-            </a:r>
+            <a:endParaRPr lang="en-IN" dirty="0"/>
           </a:p>
           <a:p>
             <a:pPr marL="285750" indent="-285750">
               <a:buFont typeface="Arial" panose="020B0604020202020204" pitchFamily="34" charset="0"/>
               <a:buChar char="•"/>
             </a:pPr>
-            <a:endParaRPr lang="en-US" dirty="0"/>
+            <a:r>
+              <a:rPr lang="en-IN" dirty="0"/>
+              <a:t>We will also try to reduce the time taken to run the application. </a:t>
+            </a:r>
           </a:p>
           <a:p>
             <a:pPr marL="285750" indent="-285750">
               <a:buFont typeface="Arial" panose="020B0604020202020204" pitchFamily="34" charset="0"/>
               <a:buChar char="•"/>
             </a:pPr>
-            <a:r>
-              <a:rPr lang="en-US" dirty="0"/>
-              <a:t>We hope to continue to work on this and finish our planned objectives and start work on the final integration, which will be our next goal</a:t>
-            </a:r>
+            <a:endParaRPr lang="en-IN" dirty="0"/>
           </a:p>
           <a:p>
             <a:pPr marL="285750" indent="-285750">
               <a:buFont typeface="Arial" panose="020B0604020202020204" pitchFamily="34" charset="0"/>
               <a:buChar char="•"/>
             </a:pPr>
-            <a:endParaRPr lang="en-US" dirty="0"/>
-          </a:p>
-          <a:p>
-            <a:pPr marL="285750" indent="-285750">
-              <a:buFont typeface="Arial" panose="020B0604020202020204" pitchFamily="34" charset="0"/>
-              <a:buChar char="•"/>
-            </a:pPr>
-            <a:r>
-              <a:rPr lang="en-US" dirty="0"/>
-              <a:t>We are also working on the efficiency and are trying to reduce latency and bring in faster results.</a:t>
-            </a:r>
-          </a:p>
-          <a:p>
-            <a:pPr marL="285750" indent="-285750">
-              <a:buFont typeface="Arial" panose="020B0604020202020204" pitchFamily="34" charset="0"/>
-              <a:buChar char="•"/>
-            </a:pPr>
-            <a:endParaRPr lang="en-US" dirty="0"/>
-          </a:p>
-          <a:p>
-            <a:pPr marL="285750" indent="-285750">
-              <a:buFont typeface="Arial" panose="020B0604020202020204" pitchFamily="34" charset="0"/>
-              <a:buChar char="•"/>
-            </a:pPr>
-            <a:r>
-              <a:rPr lang="en-US" dirty="0"/>
-              <a:t>Our code can be found at </a:t>
-            </a:r>
-            <a:r>
-              <a:rPr lang="en-US" dirty="0">
-                <a:hlinkClick r:id="rId3"/>
-              </a:rPr>
-              <a:t>https://bit.ly/intelnlq</a:t>
-            </a:r>
-            <a:endParaRPr lang="en-IN" b="1" i="1" dirty="0"/>
+            <a:r>
+              <a:rPr lang="en-IN" dirty="0"/>
+              <a:t>We will prepare the paper abstract required for the final presentation.</a:t>
+            </a:r>
           </a:p>
         </p:txBody>
       </p:sp>
@@ -6431,6 +6532,401 @@
 </file>
 
 <file path=ppt/slides/slide8.xml><?xml version="1.0" encoding="utf-8"?>
+<p:sld xmlns:a="http://schemas.openxmlformats.org/drawingml/2006/main" xmlns:r="http://schemas.openxmlformats.org/officeDocument/2006/relationships" xmlns:p="http://schemas.openxmlformats.org/presentationml/2006/main">
+  <p:cSld>
+    <p:bg>
+      <p:bgPr>
+        <a:solidFill>
+          <a:srgbClr val="FFFFFF"/>
+        </a:solidFill>
+        <a:effectLst/>
+      </p:bgPr>
+    </p:bg>
+    <p:spTree>
+      <p:nvGrpSpPr>
+        <p:cNvPr id="1" name=""/>
+        <p:cNvGrpSpPr/>
+        <p:nvPr/>
+      </p:nvGrpSpPr>
+      <p:grpSpPr>
+        <a:xfrm>
+          <a:off x="0" y="0"/>
+          <a:ext cx="0" cy="0"/>
+          <a:chOff x="0" y="0"/>
+          <a:chExt cx="0" cy="0"/>
+        </a:xfrm>
+      </p:grpSpPr>
+      <p:sp>
+        <p:nvSpPr>
+          <p:cNvPr id="68" name="CustomShape 1"/>
+          <p:cNvSpPr/>
+          <p:nvPr/>
+        </p:nvSpPr>
+        <p:spPr>
+          <a:xfrm>
+            <a:off x="1523880" y="1581120"/>
+            <a:ext cx="7620120" cy="36720"/>
+          </a:xfrm>
+          <a:prstGeom prst="rect">
+            <a:avLst/>
+          </a:prstGeom>
+          <a:solidFill>
+            <a:srgbClr val="33CCCC"/>
+          </a:solidFill>
+          <a:ln>
+            <a:noFill/>
+          </a:ln>
+        </p:spPr>
+        <p:style>
+          <a:lnRef idx="0">
+            <a:scrgbClr r="0" g="0" b="0"/>
+          </a:lnRef>
+          <a:fillRef idx="0">
+            <a:scrgbClr r="0" g="0" b="0"/>
+          </a:fillRef>
+          <a:effectRef idx="0">
+            <a:scrgbClr r="0" g="0" b="0"/>
+          </a:effectRef>
+          <a:fontRef idx="minor"/>
+        </p:style>
+      </p:sp>
+      <p:sp>
+        <p:nvSpPr>
+          <p:cNvPr id="69" name="CustomShape 2"/>
+          <p:cNvSpPr/>
+          <p:nvPr/>
+        </p:nvSpPr>
+        <p:spPr>
+          <a:xfrm>
+            <a:off x="1371600" y="1143000"/>
+            <a:ext cx="7772400" cy="395280"/>
+          </a:xfrm>
+          <a:prstGeom prst="rect">
+            <a:avLst/>
+          </a:prstGeom>
+          <a:noFill/>
+          <a:ln>
+            <a:noFill/>
+          </a:ln>
+        </p:spPr>
+        <p:style>
+          <a:lnRef idx="0">
+            <a:scrgbClr r="0" g="0" b="0"/>
+          </a:lnRef>
+          <a:fillRef idx="0">
+            <a:scrgbClr r="0" g="0" b="0"/>
+          </a:fillRef>
+          <a:effectRef idx="0">
+            <a:scrgbClr r="0" g="0" b="0"/>
+          </a:effectRef>
+          <a:fontRef idx="minor"/>
+        </p:style>
+        <p:txBody>
+          <a:bodyPr lIns="90000" tIns="45000" rIns="90000" bIns="45000"/>
+          <a:lstStyle/>
+          <a:p>
+            <a:pPr marL="342720" indent="-339840" algn="r">
+              <a:lnSpc>
+                <a:spcPct val="100000"/>
+              </a:lnSpc>
+            </a:pPr>
+            <a:r>
+              <a:rPr lang="en-IN" sz="2000" b="0" strike="noStrike" spc="-1">
+                <a:solidFill>
+                  <a:srgbClr val="FF0000"/>
+                </a:solidFill>
+                <a:uFill>
+                  <a:solidFill>
+                    <a:srgbClr val="FFFFFF"/>
+                  </a:solidFill>
+                </a:uFill>
+                <a:latin typeface="Trebuchet MS"/>
+              </a:rPr>
+              <a:t>Summary</a:t>
+            </a:r>
+            <a:endParaRPr lang="en-IN" sz="1800" b="0" strike="noStrike" spc="-1">
+              <a:solidFill>
+                <a:srgbClr val="000000"/>
+              </a:solidFill>
+              <a:uFill>
+                <a:solidFill>
+                  <a:srgbClr val="FFFFFF"/>
+                </a:solidFill>
+              </a:uFill>
+              <a:latin typeface="Arial"/>
+            </a:endParaRPr>
+          </a:p>
+        </p:txBody>
+      </p:sp>
+      <p:sp>
+        <p:nvSpPr>
+          <p:cNvPr id="70" name="CustomShape 3"/>
+          <p:cNvSpPr/>
+          <p:nvPr/>
+        </p:nvSpPr>
+        <p:spPr>
+          <a:xfrm>
+            <a:off x="533520" y="1828800"/>
+            <a:ext cx="7619760" cy="4724280"/>
+          </a:xfrm>
+          <a:prstGeom prst="rect">
+            <a:avLst/>
+          </a:prstGeom>
+          <a:noFill/>
+          <a:ln>
+            <a:noFill/>
+          </a:ln>
+        </p:spPr>
+        <p:style>
+          <a:lnRef idx="0">
+            <a:scrgbClr r="0" g="0" b="0"/>
+          </a:lnRef>
+          <a:fillRef idx="0">
+            <a:scrgbClr r="0" g="0" b="0"/>
+          </a:fillRef>
+          <a:effectRef idx="0">
+            <a:scrgbClr r="0" g="0" b="0"/>
+          </a:effectRef>
+          <a:fontRef idx="minor"/>
+        </p:style>
+        <p:txBody>
+          <a:bodyPr lIns="90000" tIns="45000" rIns="90000" bIns="45000"/>
+          <a:lstStyle/>
+          <a:p>
+            <a:pPr marL="342720" indent="-339840">
+              <a:lnSpc>
+                <a:spcPct val="100000"/>
+              </a:lnSpc>
+            </a:pPr>
+            <a:r>
+              <a:rPr lang="en-IN" sz="2400" b="0" strike="noStrike" spc="-1">
+                <a:solidFill>
+                  <a:srgbClr val="0000FF"/>
+                </a:solidFill>
+                <a:uFill>
+                  <a:solidFill>
+                    <a:srgbClr val="FFFFFF"/>
+                  </a:solidFill>
+                </a:uFill>
+                <a:latin typeface="Trebuchet MS"/>
+              </a:rPr>
+              <a:t> </a:t>
+            </a:r>
+            <a:endParaRPr lang="en-IN" sz="1800" b="0" strike="noStrike" spc="-1">
+              <a:solidFill>
+                <a:srgbClr val="000000"/>
+              </a:solidFill>
+              <a:uFill>
+                <a:solidFill>
+                  <a:srgbClr val="FFFFFF"/>
+                </a:solidFill>
+              </a:uFill>
+              <a:latin typeface="Arial"/>
+            </a:endParaRPr>
+          </a:p>
+          <a:p>
+            <a:pPr algn="just">
+              <a:lnSpc>
+                <a:spcPct val="100000"/>
+              </a:lnSpc>
+            </a:pPr>
+            <a:r>
+              <a:rPr lang="en-IN" sz="2400" b="0" strike="noStrike" spc="-1">
+                <a:solidFill>
+                  <a:srgbClr val="0000FF"/>
+                </a:solidFill>
+                <a:uFill>
+                  <a:solidFill>
+                    <a:srgbClr val="FFFFFF"/>
+                  </a:solidFill>
+                </a:uFill>
+                <a:latin typeface="Trebuchet MS"/>
+              </a:rPr>
+              <a:t> </a:t>
+            </a:r>
+            <a:endParaRPr lang="en-IN" sz="1800" b="0" strike="noStrike" spc="-1">
+              <a:solidFill>
+                <a:srgbClr val="000000"/>
+              </a:solidFill>
+              <a:uFill>
+                <a:solidFill>
+                  <a:srgbClr val="FFFFFF"/>
+                </a:solidFill>
+              </a:uFill>
+              <a:latin typeface="Arial"/>
+            </a:endParaRPr>
+          </a:p>
+          <a:p>
+            <a:pPr marL="342720" indent="-339840">
+              <a:lnSpc>
+                <a:spcPct val="100000"/>
+              </a:lnSpc>
+            </a:pPr>
+            <a:r>
+              <a:rPr lang="en-IN" sz="2400" b="0" strike="noStrike" spc="-1">
+                <a:solidFill>
+                  <a:srgbClr val="0000FF"/>
+                </a:solidFill>
+                <a:uFill>
+                  <a:solidFill>
+                    <a:srgbClr val="FFFFFF"/>
+                  </a:solidFill>
+                </a:uFill>
+                <a:latin typeface="Trebuchet MS"/>
+              </a:rPr>
+              <a:t> </a:t>
+            </a:r>
+            <a:endParaRPr lang="en-IN" sz="1800" b="0" strike="noStrike" spc="-1">
+              <a:solidFill>
+                <a:srgbClr val="000000"/>
+              </a:solidFill>
+              <a:uFill>
+                <a:solidFill>
+                  <a:srgbClr val="FFFFFF"/>
+                </a:solidFill>
+              </a:uFill>
+              <a:latin typeface="Arial"/>
+            </a:endParaRPr>
+          </a:p>
+        </p:txBody>
+      </p:sp>
+      <p:sp>
+        <p:nvSpPr>
+          <p:cNvPr id="5" name="TextBox 4">
+            <a:extLst>
+              <a:ext uri="{FF2B5EF4-FFF2-40B4-BE49-F238E27FC236}">
+                <a16:creationId xmlns:a16="http://schemas.microsoft.com/office/drawing/2014/main" id="{AA7F93CD-2B6F-482C-AD40-8081643D01BA}"/>
+              </a:ext>
+            </a:extLst>
+          </p:cNvPr>
+          <p:cNvSpPr txBox="1"/>
+          <p:nvPr/>
+        </p:nvSpPr>
+        <p:spPr>
+          <a:xfrm>
+            <a:off x="372862" y="1709580"/>
+            <a:ext cx="7901126" cy="4247317"/>
+          </a:xfrm>
+          <a:prstGeom prst="rect">
+            <a:avLst/>
+          </a:prstGeom>
+          <a:noFill/>
+        </p:spPr>
+        <p:txBody>
+          <a:bodyPr wrap="square" rtlCol="0">
+            <a:spAutoFit/>
+          </a:bodyPr>
+          <a:lstStyle/>
+          <a:p>
+            <a:pPr marL="285750" indent="-285750">
+              <a:buFont typeface="Arial" panose="020B0604020202020204" pitchFamily="34" charset="0"/>
+              <a:buChar char="•"/>
+            </a:pPr>
+            <a:r>
+              <a:rPr lang="en-US" dirty="0"/>
+              <a:t>We have used a </a:t>
+            </a:r>
+            <a:r>
+              <a:rPr lang="en-US" b="1" dirty="0"/>
+              <a:t>novel approach </a:t>
+            </a:r>
+            <a:r>
+              <a:rPr lang="en-US" dirty="0"/>
+              <a:t>by not only using computer vision to perform object detection and tagging but have also combined it with NLP techniques such as sequence models to generate descriptions of scenes with objects such that they can be tagged and described without manually watching them. We also used word embeddings to obtain relevant searches on not just a contextual level but also at a semantic level.</a:t>
+            </a:r>
+          </a:p>
+          <a:p>
+            <a:pPr marL="285750" indent="-285750">
+              <a:buFont typeface="Arial" panose="020B0604020202020204" pitchFamily="34" charset="0"/>
+              <a:buChar char="•"/>
+            </a:pPr>
+            <a:endParaRPr lang="en-US" dirty="0"/>
+          </a:p>
+          <a:p>
+            <a:pPr marL="285750" indent="-285750">
+              <a:buFont typeface="Arial" panose="020B0604020202020204" pitchFamily="34" charset="0"/>
+              <a:buChar char="•"/>
+            </a:pPr>
+            <a:r>
+              <a:rPr lang="en-US" dirty="0"/>
+              <a:t>Our work is going as planned by our team and we have finished and achieved the key deliverables for the final presentation.</a:t>
+            </a:r>
+          </a:p>
+          <a:p>
+            <a:endParaRPr lang="en-US" dirty="0"/>
+          </a:p>
+          <a:p>
+            <a:pPr marL="285750" indent="-285750">
+              <a:buFont typeface="Arial" panose="020B0604020202020204" pitchFamily="34" charset="0"/>
+              <a:buChar char="•"/>
+            </a:pPr>
+            <a:r>
+              <a:rPr lang="en-US" dirty="0"/>
+              <a:t>We are currently working on the efficiency and are trying to reduce latency and bring in faster results.</a:t>
+            </a:r>
+          </a:p>
+          <a:p>
+            <a:pPr marL="285750" indent="-285750">
+              <a:buFont typeface="Arial" panose="020B0604020202020204" pitchFamily="34" charset="0"/>
+              <a:buChar char="•"/>
+            </a:pPr>
+            <a:endParaRPr lang="en-US" dirty="0"/>
+          </a:p>
+          <a:p>
+            <a:pPr marL="285750" indent="-285750">
+              <a:buFont typeface="Arial" panose="020B0604020202020204" pitchFamily="34" charset="0"/>
+              <a:buChar char="•"/>
+            </a:pPr>
+            <a:r>
+              <a:rPr lang="en-US" dirty="0"/>
+              <a:t>Our code can be found at </a:t>
+            </a:r>
+            <a:r>
+              <a:rPr lang="en-US" dirty="0">
+                <a:hlinkClick r:id="rId3"/>
+              </a:rPr>
+              <a:t>https://bit.ly/intelnlq</a:t>
+            </a:r>
+            <a:endParaRPr lang="en-IN" b="1" i="1" dirty="0"/>
+          </a:p>
+        </p:txBody>
+      </p:sp>
+    </p:spTree>
+  </p:cSld>
+  <p:clrMapOvr>
+    <a:masterClrMapping/>
+  </p:clrMapOvr>
+  <p:timing>
+    <p:tnLst>
+      <p:par>
+        <p:cTn id="1" dur="indefinite" restart="never" nodeType="tmRoot">
+          <p:childTnLst>
+            <p:seq>
+              <p:cTn id="2" dur="indefinite" nodeType="mainSeq"/>
+              <p:prevCondLst>
+                <p:cond evt="onPrev" delay="0">
+                  <p:tgtEl>
+                    <p:sldTgt/>
+                  </p:tgtEl>
+                </p:cond>
+              </p:prevCondLst>
+              <p:nextCondLst>
+                <p:cond evt="onNext" delay="0">
+                  <p:tgtEl>
+                    <p:sldTgt/>
+                  </p:tgtEl>
+                </p:cond>
+              </p:nextCondLst>
+            </p:seq>
+          </p:childTnLst>
+        </p:cTn>
+      </p:par>
+    </p:tnLst>
+  </p:timing>
+</p:sld>
+</file>
+
+<file path=ppt/slides/slide9.xml><?xml version="1.0" encoding="utf-8"?>
 <p:sld xmlns:a="http://schemas.openxmlformats.org/drawingml/2006/main" xmlns:r="http://schemas.openxmlformats.org/officeDocument/2006/relationships" xmlns:p="http://schemas.openxmlformats.org/presentationml/2006/main">
   <p:cSld>
     <p:bg>
